--- a/ERD.pptx
+++ b/ERD.pptx
@@ -104,6 +104,11 @@
       </a:defRPr>
     </a:lvl9pPr>
   </p:defaultTextStyle>
+  <p:extLst>
+    <p:ext uri="{EFAFB233-063F-42B5-8137-9DF3F51BA10A}">
+      <p15:sldGuideLst xmlns:p15="http://schemas.microsoft.com/office/powerpoint/2012/main"/>
+    </p:ext>
+  </p:extLst>
 </p:presentation>
 </file>
 
@@ -3416,7 +3421,7 @@
         </p:nvSpPr>
         <p:spPr>
           <a:xfrm>
-            <a:off x="5055476" y="620109"/>
+            <a:off x="9501352" y="620109"/>
             <a:ext cx="2081048" cy="2102069"/>
           </a:xfrm>
           <a:prstGeom prst="rect">
@@ -3488,7 +3493,7 @@
         </p:nvSpPr>
         <p:spPr>
           <a:xfrm>
-            <a:off x="5055476" y="4135821"/>
+            <a:off x="609600" y="4088525"/>
             <a:ext cx="2081048" cy="2102069"/>
           </a:xfrm>
           <a:prstGeom prst="rect">
@@ -3522,7 +3527,7 @@
           <a:p>
             <a:r>
               <a:rPr lang="en-US" dirty="0"/>
-              <a:t>Gifting </a:t>
+              <a:t>Friends </a:t>
             </a:r>
           </a:p>
           <a:p>
@@ -3540,12 +3545,6 @@
           <a:p>
             <a:r>
               <a:rPr lang="en-US" dirty="0"/>
-              <a:t>-gift (FK)</a:t>
-            </a:r>
-          </a:p>
-          <a:p>
-            <a:r>
-              <a:rPr lang="en-US" dirty="0"/>
               <a:t>-relation level</a:t>
             </a:r>
           </a:p>
@@ -3568,7 +3567,7 @@
         </p:nvSpPr>
         <p:spPr>
           <a:xfrm>
-            <a:off x="609600" y="4135822"/>
+            <a:off x="5055476" y="620108"/>
             <a:ext cx="2081048" cy="2102069"/>
           </a:xfrm>
           <a:prstGeom prst="rect">
@@ -3619,23 +3618,23 @@
       </p:sp>
       <p:cxnSp>
         <p:nvCxnSpPr>
-          <p:cNvPr id="9" name="Straight Connector 8">
-            <a:extLst>
-              <a:ext uri="{FF2B5EF4-FFF2-40B4-BE49-F238E27FC236}">
-                <a16:creationId xmlns:a16="http://schemas.microsoft.com/office/drawing/2014/main" id="{34B2F4A6-3922-C347-822B-5849AC3FDE3C}"/>
+          <p:cNvPr id="10" name="Straight Connector 9">
+            <a:extLst>
+              <a:ext uri="{FF2B5EF4-FFF2-40B4-BE49-F238E27FC236}">
+                <a16:creationId xmlns:a16="http://schemas.microsoft.com/office/drawing/2014/main" id="{4F40A492-C048-A748-BE02-167B53B9EFFE}"/>
               </a:ext>
             </a:extLst>
           </p:cNvPr>
           <p:cNvCxnSpPr>
-            <a:stCxn id="4" idx="2"/>
-            <a:endCxn id="7" idx="0"/>
+            <a:stCxn id="4" idx="3"/>
+            <a:endCxn id="7" idx="1"/>
           </p:cNvCxnSpPr>
           <p:nvPr/>
         </p:nvCxnSpPr>
         <p:spPr>
-          <a:xfrm>
-            <a:off x="1650124" y="2722179"/>
-            <a:ext cx="0" cy="1413643"/>
+          <a:xfrm flipV="1">
+            <a:off x="2690648" y="1671143"/>
+            <a:ext cx="2364828" cy="2"/>
           </a:xfrm>
           <a:prstGeom prst="line">
             <a:avLst/>
@@ -3658,23 +3657,458 @@
       </p:cxnSp>
       <p:cxnSp>
         <p:nvCxnSpPr>
-          <p:cNvPr id="11" name="Straight Connector 10">
-            <a:extLst>
-              <a:ext uri="{FF2B5EF4-FFF2-40B4-BE49-F238E27FC236}">
-                <a16:creationId xmlns:a16="http://schemas.microsoft.com/office/drawing/2014/main" id="{9B50B99D-9741-4C40-B23A-7760BDD3C0BD}"/>
+          <p:cNvPr id="13" name="Straight Connector 12">
+            <a:extLst>
+              <a:ext uri="{FF2B5EF4-FFF2-40B4-BE49-F238E27FC236}">
+                <a16:creationId xmlns:a16="http://schemas.microsoft.com/office/drawing/2014/main" id="{E390D326-0F71-444F-96CB-D5CA63F5C0BE}"/>
               </a:ext>
             </a:extLst>
           </p:cNvPr>
           <p:cNvCxnSpPr>
-            <a:stCxn id="5" idx="2"/>
-            <a:endCxn id="7" idx="0"/>
+            <a:stCxn id="7" idx="3"/>
+            <a:endCxn id="5" idx="1"/>
           </p:cNvCxnSpPr>
           <p:nvPr/>
         </p:nvCxnSpPr>
         <p:spPr>
+          <a:xfrm>
+            <a:off x="7136524" y="1671143"/>
+            <a:ext cx="2364828" cy="1"/>
+          </a:xfrm>
+          <a:prstGeom prst="line">
+            <a:avLst/>
+          </a:prstGeom>
+        </p:spPr>
+        <p:style>
+          <a:lnRef idx="1">
+            <a:schemeClr val="accent1"/>
+          </a:lnRef>
+          <a:fillRef idx="0">
+            <a:schemeClr val="accent1"/>
+          </a:fillRef>
+          <a:effectRef idx="0">
+            <a:schemeClr val="accent1"/>
+          </a:effectRef>
+          <a:fontRef idx="minor">
+            <a:schemeClr val="tx1"/>
+          </a:fontRef>
+        </p:style>
+      </p:cxnSp>
+      <p:cxnSp>
+        <p:nvCxnSpPr>
+          <p:cNvPr id="15" name="Straight Connector 14">
+            <a:extLst>
+              <a:ext uri="{FF2B5EF4-FFF2-40B4-BE49-F238E27FC236}">
+                <a16:creationId xmlns:a16="http://schemas.microsoft.com/office/drawing/2014/main" id="{A45D5661-7179-2F4C-89BE-A0D782239240}"/>
+              </a:ext>
+            </a:extLst>
+          </p:cNvPr>
+          <p:cNvCxnSpPr/>
+          <p:nvPr/>
+        </p:nvCxnSpPr>
+        <p:spPr>
+          <a:xfrm flipV="1">
+            <a:off x="4687614" y="1355834"/>
+            <a:ext cx="367862" cy="315308"/>
+          </a:xfrm>
+          <a:prstGeom prst="line">
+            <a:avLst/>
+          </a:prstGeom>
+        </p:spPr>
+        <p:style>
+          <a:lnRef idx="1">
+            <a:schemeClr val="accent1"/>
+          </a:lnRef>
+          <a:fillRef idx="0">
+            <a:schemeClr val="accent1"/>
+          </a:fillRef>
+          <a:effectRef idx="0">
+            <a:schemeClr val="accent1"/>
+          </a:effectRef>
+          <a:fontRef idx="minor">
+            <a:schemeClr val="tx1"/>
+          </a:fontRef>
+        </p:style>
+      </p:cxnSp>
+      <p:cxnSp>
+        <p:nvCxnSpPr>
+          <p:cNvPr id="17" name="Straight Connector 16">
+            <a:extLst>
+              <a:ext uri="{FF2B5EF4-FFF2-40B4-BE49-F238E27FC236}">
+                <a16:creationId xmlns:a16="http://schemas.microsoft.com/office/drawing/2014/main" id="{6F3BDCBD-4D7B-604D-819D-824ECFF1D773}"/>
+              </a:ext>
+            </a:extLst>
+          </p:cNvPr>
+          <p:cNvCxnSpPr/>
+          <p:nvPr/>
+        </p:nvCxnSpPr>
+        <p:spPr>
+          <a:xfrm>
+            <a:off x="4687614" y="1671142"/>
+            <a:ext cx="367862" cy="367865"/>
+          </a:xfrm>
+          <a:prstGeom prst="line">
+            <a:avLst/>
+          </a:prstGeom>
+        </p:spPr>
+        <p:style>
+          <a:lnRef idx="1">
+            <a:schemeClr val="accent1"/>
+          </a:lnRef>
+          <a:fillRef idx="0">
+            <a:schemeClr val="accent1"/>
+          </a:fillRef>
+          <a:effectRef idx="0">
+            <a:schemeClr val="accent1"/>
+          </a:effectRef>
+          <a:fontRef idx="minor">
+            <a:schemeClr val="tx1"/>
+          </a:fontRef>
+        </p:style>
+      </p:cxnSp>
+      <p:cxnSp>
+        <p:nvCxnSpPr>
+          <p:cNvPr id="19" name="Straight Connector 18">
+            <a:extLst>
+              <a:ext uri="{FF2B5EF4-FFF2-40B4-BE49-F238E27FC236}">
+                <a16:creationId xmlns:a16="http://schemas.microsoft.com/office/drawing/2014/main" id="{637946E1-E7D7-EE4B-A72F-05DD158AA58B}"/>
+              </a:ext>
+            </a:extLst>
+          </p:cNvPr>
+          <p:cNvCxnSpPr/>
+          <p:nvPr/>
+        </p:nvCxnSpPr>
+        <p:spPr>
+          <a:xfrm>
+            <a:off x="2690648" y="1271752"/>
+            <a:ext cx="336331" cy="399390"/>
+          </a:xfrm>
+          <a:prstGeom prst="line">
+            <a:avLst/>
+          </a:prstGeom>
+        </p:spPr>
+        <p:style>
+          <a:lnRef idx="1">
+            <a:schemeClr val="accent1"/>
+          </a:lnRef>
+          <a:fillRef idx="0">
+            <a:schemeClr val="accent1"/>
+          </a:fillRef>
+          <a:effectRef idx="0">
+            <a:schemeClr val="accent1"/>
+          </a:effectRef>
+          <a:fontRef idx="minor">
+            <a:schemeClr val="tx1"/>
+          </a:fontRef>
+        </p:style>
+      </p:cxnSp>
+      <p:cxnSp>
+        <p:nvCxnSpPr>
+          <p:cNvPr id="21" name="Straight Connector 20">
+            <a:extLst>
+              <a:ext uri="{FF2B5EF4-FFF2-40B4-BE49-F238E27FC236}">
+                <a16:creationId xmlns:a16="http://schemas.microsoft.com/office/drawing/2014/main" id="{9BA569D4-C6B9-6C4E-8DEC-0E9C545A6201}"/>
+              </a:ext>
+            </a:extLst>
+          </p:cNvPr>
+          <p:cNvCxnSpPr/>
+          <p:nvPr/>
+        </p:nvCxnSpPr>
+        <p:spPr>
           <a:xfrm flipH="1">
-            <a:off x="1650124" y="2722178"/>
-            <a:ext cx="4445876" cy="1413644"/>
+            <a:off x="2690648" y="1671142"/>
+            <a:ext cx="367862" cy="325825"/>
+          </a:xfrm>
+          <a:prstGeom prst="line">
+            <a:avLst/>
+          </a:prstGeom>
+        </p:spPr>
+        <p:style>
+          <a:lnRef idx="1">
+            <a:schemeClr val="accent1"/>
+          </a:lnRef>
+          <a:fillRef idx="0">
+            <a:schemeClr val="accent1"/>
+          </a:fillRef>
+          <a:effectRef idx="0">
+            <a:schemeClr val="accent1"/>
+          </a:effectRef>
+          <a:fontRef idx="minor">
+            <a:schemeClr val="tx1"/>
+          </a:fontRef>
+        </p:style>
+      </p:cxnSp>
+      <p:cxnSp>
+        <p:nvCxnSpPr>
+          <p:cNvPr id="23" name="Straight Connector 22">
+            <a:extLst>
+              <a:ext uri="{FF2B5EF4-FFF2-40B4-BE49-F238E27FC236}">
+                <a16:creationId xmlns:a16="http://schemas.microsoft.com/office/drawing/2014/main" id="{4E35FEF1-5785-F844-99CD-EE50C43063C1}"/>
+              </a:ext>
+            </a:extLst>
+          </p:cNvPr>
+          <p:cNvCxnSpPr/>
+          <p:nvPr/>
+        </p:nvCxnSpPr>
+        <p:spPr>
+          <a:xfrm>
+            <a:off x="7136524" y="1271752"/>
+            <a:ext cx="357352" cy="399390"/>
+          </a:xfrm>
+          <a:prstGeom prst="line">
+            <a:avLst/>
+          </a:prstGeom>
+        </p:spPr>
+        <p:style>
+          <a:lnRef idx="1">
+            <a:schemeClr val="accent1"/>
+          </a:lnRef>
+          <a:fillRef idx="0">
+            <a:schemeClr val="accent1"/>
+          </a:fillRef>
+          <a:effectRef idx="0">
+            <a:schemeClr val="accent1"/>
+          </a:effectRef>
+          <a:fontRef idx="minor">
+            <a:schemeClr val="tx1"/>
+          </a:fontRef>
+        </p:style>
+      </p:cxnSp>
+      <p:cxnSp>
+        <p:nvCxnSpPr>
+          <p:cNvPr id="25" name="Straight Connector 24">
+            <a:extLst>
+              <a:ext uri="{FF2B5EF4-FFF2-40B4-BE49-F238E27FC236}">
+                <a16:creationId xmlns:a16="http://schemas.microsoft.com/office/drawing/2014/main" id="{B0E8FC1B-A2B2-0448-8DFB-A38B008D9991}"/>
+              </a:ext>
+            </a:extLst>
+          </p:cNvPr>
+          <p:cNvCxnSpPr/>
+          <p:nvPr/>
+        </p:nvCxnSpPr>
+        <p:spPr>
+          <a:xfrm flipH="1">
+            <a:off x="7136524" y="1671141"/>
+            <a:ext cx="367862" cy="325825"/>
+          </a:xfrm>
+          <a:prstGeom prst="line">
+            <a:avLst/>
+          </a:prstGeom>
+        </p:spPr>
+        <p:style>
+          <a:lnRef idx="1">
+            <a:schemeClr val="accent1"/>
+          </a:lnRef>
+          <a:fillRef idx="0">
+            <a:schemeClr val="accent1"/>
+          </a:fillRef>
+          <a:effectRef idx="0">
+            <a:schemeClr val="accent1"/>
+          </a:effectRef>
+          <a:fontRef idx="minor">
+            <a:schemeClr val="tx1"/>
+          </a:fontRef>
+        </p:style>
+      </p:cxnSp>
+      <p:cxnSp>
+        <p:nvCxnSpPr>
+          <p:cNvPr id="26" name="Straight Connector 25">
+            <a:extLst>
+              <a:ext uri="{FF2B5EF4-FFF2-40B4-BE49-F238E27FC236}">
+                <a16:creationId xmlns:a16="http://schemas.microsoft.com/office/drawing/2014/main" id="{3AD2522D-61F7-8B4E-8435-721354AAA0A6}"/>
+              </a:ext>
+            </a:extLst>
+          </p:cNvPr>
+          <p:cNvCxnSpPr/>
+          <p:nvPr/>
+        </p:nvCxnSpPr>
+        <p:spPr>
+          <a:xfrm flipV="1">
+            <a:off x="9138745" y="1355833"/>
+            <a:ext cx="367862" cy="315308"/>
+          </a:xfrm>
+          <a:prstGeom prst="line">
+            <a:avLst/>
+          </a:prstGeom>
+        </p:spPr>
+        <p:style>
+          <a:lnRef idx="1">
+            <a:schemeClr val="accent1"/>
+          </a:lnRef>
+          <a:fillRef idx="0">
+            <a:schemeClr val="accent1"/>
+          </a:fillRef>
+          <a:effectRef idx="0">
+            <a:schemeClr val="accent1"/>
+          </a:effectRef>
+          <a:fontRef idx="minor">
+            <a:schemeClr val="tx1"/>
+          </a:fontRef>
+        </p:style>
+      </p:cxnSp>
+      <p:cxnSp>
+        <p:nvCxnSpPr>
+          <p:cNvPr id="27" name="Straight Connector 26">
+            <a:extLst>
+              <a:ext uri="{FF2B5EF4-FFF2-40B4-BE49-F238E27FC236}">
+                <a16:creationId xmlns:a16="http://schemas.microsoft.com/office/drawing/2014/main" id="{499CC189-6CCB-AF4C-BFBF-CE8215AC1CF3}"/>
+              </a:ext>
+            </a:extLst>
+          </p:cNvPr>
+          <p:cNvCxnSpPr/>
+          <p:nvPr/>
+        </p:nvCxnSpPr>
+        <p:spPr>
+          <a:xfrm>
+            <a:off x="9138745" y="1671141"/>
+            <a:ext cx="367862" cy="367865"/>
+          </a:xfrm>
+          <a:prstGeom prst="line">
+            <a:avLst/>
+          </a:prstGeom>
+        </p:spPr>
+        <p:style>
+          <a:lnRef idx="1">
+            <a:schemeClr val="accent1"/>
+          </a:lnRef>
+          <a:fillRef idx="0">
+            <a:schemeClr val="accent1"/>
+          </a:fillRef>
+          <a:effectRef idx="0">
+            <a:schemeClr val="accent1"/>
+          </a:effectRef>
+          <a:fontRef idx="minor">
+            <a:schemeClr val="tx1"/>
+          </a:fontRef>
+        </p:style>
+      </p:cxnSp>
+      <p:cxnSp>
+        <p:nvCxnSpPr>
+          <p:cNvPr id="28" name="Straight Connector 27">
+            <a:extLst>
+              <a:ext uri="{FF2B5EF4-FFF2-40B4-BE49-F238E27FC236}">
+                <a16:creationId xmlns:a16="http://schemas.microsoft.com/office/drawing/2014/main" id="{80587508-1B78-D046-8E8A-2FC42BF30C2E}"/>
+              </a:ext>
+            </a:extLst>
+          </p:cNvPr>
+          <p:cNvCxnSpPr>
+            <a:stCxn id="4" idx="2"/>
+            <a:endCxn id="6" idx="0"/>
+          </p:cNvCxnSpPr>
+          <p:nvPr/>
+        </p:nvCxnSpPr>
+        <p:spPr>
+          <a:xfrm>
+            <a:off x="1650124" y="2722179"/>
+            <a:ext cx="0" cy="1366346"/>
+          </a:xfrm>
+          <a:prstGeom prst="line">
+            <a:avLst/>
+          </a:prstGeom>
+        </p:spPr>
+        <p:style>
+          <a:lnRef idx="1">
+            <a:schemeClr val="accent1"/>
+          </a:lnRef>
+          <a:fillRef idx="0">
+            <a:schemeClr val="accent1"/>
+          </a:fillRef>
+          <a:effectRef idx="0">
+            <a:schemeClr val="accent1"/>
+          </a:effectRef>
+          <a:fontRef idx="minor">
+            <a:schemeClr val="tx1"/>
+          </a:fontRef>
+        </p:style>
+      </p:cxnSp>
+      <p:cxnSp>
+        <p:nvCxnSpPr>
+          <p:cNvPr id="30" name="Straight Connector 29">
+            <a:extLst>
+              <a:ext uri="{FF2B5EF4-FFF2-40B4-BE49-F238E27FC236}">
+                <a16:creationId xmlns:a16="http://schemas.microsoft.com/office/drawing/2014/main" id="{F8BEF647-E3A2-334F-9082-9CF2DA35B6D9}"/>
+              </a:ext>
+            </a:extLst>
+          </p:cNvPr>
+          <p:cNvCxnSpPr/>
+          <p:nvPr/>
+        </p:nvCxnSpPr>
+        <p:spPr>
+          <a:xfrm>
+            <a:off x="1460938" y="3899338"/>
+            <a:ext cx="367862" cy="0"/>
+          </a:xfrm>
+          <a:prstGeom prst="line">
+            <a:avLst/>
+          </a:prstGeom>
+        </p:spPr>
+        <p:style>
+          <a:lnRef idx="1">
+            <a:schemeClr val="accent1"/>
+          </a:lnRef>
+          <a:fillRef idx="0">
+            <a:schemeClr val="accent1"/>
+          </a:fillRef>
+          <a:effectRef idx="0">
+            <a:schemeClr val="accent1"/>
+          </a:effectRef>
+          <a:fontRef idx="minor">
+            <a:schemeClr val="tx1"/>
+          </a:fontRef>
+        </p:style>
+      </p:cxnSp>
+      <p:cxnSp>
+        <p:nvCxnSpPr>
+          <p:cNvPr id="32" name="Straight Connector 31">
+            <a:extLst>
+              <a:ext uri="{FF2B5EF4-FFF2-40B4-BE49-F238E27FC236}">
+                <a16:creationId xmlns:a16="http://schemas.microsoft.com/office/drawing/2014/main" id="{4E0F45D7-38A1-264A-90DD-38065B213802}"/>
+              </a:ext>
+            </a:extLst>
+          </p:cNvPr>
+          <p:cNvCxnSpPr/>
+          <p:nvPr/>
+        </p:nvCxnSpPr>
+        <p:spPr>
+          <a:xfrm flipV="1">
+            <a:off x="1650124" y="2722177"/>
+            <a:ext cx="241738" cy="315313"/>
+          </a:xfrm>
+          <a:prstGeom prst="line">
+            <a:avLst/>
+          </a:prstGeom>
+        </p:spPr>
+        <p:style>
+          <a:lnRef idx="1">
+            <a:schemeClr val="accent1"/>
+          </a:lnRef>
+          <a:fillRef idx="0">
+            <a:schemeClr val="accent1"/>
+          </a:fillRef>
+          <a:effectRef idx="0">
+            <a:schemeClr val="accent1"/>
+          </a:effectRef>
+          <a:fontRef idx="minor">
+            <a:schemeClr val="tx1"/>
+          </a:fontRef>
+        </p:style>
+      </p:cxnSp>
+      <p:cxnSp>
+        <p:nvCxnSpPr>
+          <p:cNvPr id="34" name="Straight Connector 33">
+            <a:extLst>
+              <a:ext uri="{FF2B5EF4-FFF2-40B4-BE49-F238E27FC236}">
+                <a16:creationId xmlns:a16="http://schemas.microsoft.com/office/drawing/2014/main" id="{81299609-4EBC-2444-A1A7-439E8B87A5EC}"/>
+              </a:ext>
+            </a:extLst>
+          </p:cNvPr>
+          <p:cNvCxnSpPr/>
+          <p:nvPr/>
+        </p:nvCxnSpPr>
+        <p:spPr>
+          <a:xfrm flipH="1" flipV="1">
+            <a:off x="1345324" y="2722177"/>
+            <a:ext cx="299545" cy="336332"/>
           </a:xfrm>
           <a:prstGeom prst="line">
             <a:avLst/>

--- a/ERD.pptx
+++ b/ERD.pptx
@@ -259,7 +259,7 @@
           <a:p>
             <a:fld id="{5AD72ADB-B87E-FA4B-94A3-30A651A29C55}" type="datetimeFigureOut">
               <a:rPr lang="en-US" smtClean="0"/>
-              <a:t>10/2/20</a:t>
+              <a:t>10/8/20</a:t>
             </a:fld>
             <a:endParaRPr lang="en-US"/>
           </a:p>
@@ -457,7 +457,7 @@
           <a:p>
             <a:fld id="{5AD72ADB-B87E-FA4B-94A3-30A651A29C55}" type="datetimeFigureOut">
               <a:rPr lang="en-US" smtClean="0"/>
-              <a:t>10/2/20</a:t>
+              <a:t>10/8/20</a:t>
             </a:fld>
             <a:endParaRPr lang="en-US"/>
           </a:p>
@@ -665,7 +665,7 @@
           <a:p>
             <a:fld id="{5AD72ADB-B87E-FA4B-94A3-30A651A29C55}" type="datetimeFigureOut">
               <a:rPr lang="en-US" smtClean="0"/>
-              <a:t>10/2/20</a:t>
+              <a:t>10/8/20</a:t>
             </a:fld>
             <a:endParaRPr lang="en-US"/>
           </a:p>
@@ -863,7 +863,7 @@
           <a:p>
             <a:fld id="{5AD72ADB-B87E-FA4B-94A3-30A651A29C55}" type="datetimeFigureOut">
               <a:rPr lang="en-US" smtClean="0"/>
-              <a:t>10/2/20</a:t>
+              <a:t>10/8/20</a:t>
             </a:fld>
             <a:endParaRPr lang="en-US"/>
           </a:p>
@@ -1138,7 +1138,7 @@
           <a:p>
             <a:fld id="{5AD72ADB-B87E-FA4B-94A3-30A651A29C55}" type="datetimeFigureOut">
               <a:rPr lang="en-US" smtClean="0"/>
-              <a:t>10/2/20</a:t>
+              <a:t>10/8/20</a:t>
             </a:fld>
             <a:endParaRPr lang="en-US"/>
           </a:p>
@@ -1403,7 +1403,7 @@
           <a:p>
             <a:fld id="{5AD72ADB-B87E-FA4B-94A3-30A651A29C55}" type="datetimeFigureOut">
               <a:rPr lang="en-US" smtClean="0"/>
-              <a:t>10/2/20</a:t>
+              <a:t>10/8/20</a:t>
             </a:fld>
             <a:endParaRPr lang="en-US"/>
           </a:p>
@@ -1815,7 +1815,7 @@
           <a:p>
             <a:fld id="{5AD72ADB-B87E-FA4B-94A3-30A651A29C55}" type="datetimeFigureOut">
               <a:rPr lang="en-US" smtClean="0"/>
-              <a:t>10/2/20</a:t>
+              <a:t>10/8/20</a:t>
             </a:fld>
             <a:endParaRPr lang="en-US"/>
           </a:p>
@@ -1956,7 +1956,7 @@
           <a:p>
             <a:fld id="{5AD72ADB-B87E-FA4B-94A3-30A651A29C55}" type="datetimeFigureOut">
               <a:rPr lang="en-US" smtClean="0"/>
-              <a:t>10/2/20</a:t>
+              <a:t>10/8/20</a:t>
             </a:fld>
             <a:endParaRPr lang="en-US"/>
           </a:p>
@@ -2069,7 +2069,7 @@
           <a:p>
             <a:fld id="{5AD72ADB-B87E-FA4B-94A3-30A651A29C55}" type="datetimeFigureOut">
               <a:rPr lang="en-US" smtClean="0"/>
-              <a:t>10/2/20</a:t>
+              <a:t>10/8/20</a:t>
             </a:fld>
             <a:endParaRPr lang="en-US"/>
           </a:p>
@@ -2380,7 +2380,7 @@
           <a:p>
             <a:fld id="{5AD72ADB-B87E-FA4B-94A3-30A651A29C55}" type="datetimeFigureOut">
               <a:rPr lang="en-US" smtClean="0"/>
-              <a:t>10/2/20</a:t>
+              <a:t>10/8/20</a:t>
             </a:fld>
             <a:endParaRPr lang="en-US"/>
           </a:p>
@@ -2668,7 +2668,7 @@
           <a:p>
             <a:fld id="{5AD72ADB-B87E-FA4B-94A3-30A651A29C55}" type="datetimeFigureOut">
               <a:rPr lang="en-US" smtClean="0"/>
-              <a:t>10/2/20</a:t>
+              <a:t>10/8/20</a:t>
             </a:fld>
             <a:endParaRPr lang="en-US"/>
           </a:p>
@@ -2909,7 +2909,7 @@
           <a:p>
             <a:fld id="{5AD72ADB-B87E-FA4B-94A3-30A651A29C55}" type="datetimeFigureOut">
               <a:rPr lang="en-US" smtClean="0"/>
-              <a:t>10/2/20</a:t>
+              <a:t>10/8/20</a:t>
             </a:fld>
             <a:endParaRPr lang="en-US"/>
           </a:p>
@@ -3397,12 +3397,6 @@
             </a:r>
           </a:p>
           <a:p>
-            <a:r>
-              <a:rPr lang="en-US" dirty="0"/>
-              <a:t>-stretch – crops user likes</a:t>
-            </a:r>
-          </a:p>
-          <a:p>
             <a:endParaRPr lang="en-US" dirty="0"/>
           </a:p>
         </p:txBody>
@@ -3421,7 +3415,7 @@
         </p:nvSpPr>
         <p:spPr>
           <a:xfrm>
-            <a:off x="9501352" y="620109"/>
+            <a:off x="5055476" y="620107"/>
             <a:ext cx="2081048" cy="2102069"/>
           </a:xfrm>
           <a:prstGeom prst="rect">
@@ -3474,7 +3468,18 @@
           <a:p>
             <a:r>
               <a:rPr lang="en-US" dirty="0"/>
-              <a:t>-stretch functionality here</a:t>
+              <a:t>-</a:t>
+            </a:r>
+            <a:r>
+              <a:rPr lang="en-US" dirty="0" err="1"/>
+              <a:t>userId</a:t>
+            </a:r>
+            <a:endParaRPr lang="en-US" dirty="0"/>
+          </a:p>
+          <a:p>
+            <a:r>
+              <a:rPr lang="en-US" dirty="0"/>
+              <a:t>-image</a:t>
             </a:r>
           </a:p>
         </p:txBody>
@@ -3553,69 +3558,6 @@
           </a:p>
         </p:txBody>
       </p:sp>
-      <p:sp>
-        <p:nvSpPr>
-          <p:cNvPr id="7" name="Rectangle 6">
-            <a:extLst>
-              <a:ext uri="{FF2B5EF4-FFF2-40B4-BE49-F238E27FC236}">
-                <a16:creationId xmlns:a16="http://schemas.microsoft.com/office/drawing/2014/main" id="{826BB078-F126-7E4F-99F6-7BC4B2A23E4D}"/>
-              </a:ext>
-            </a:extLst>
-          </p:cNvPr>
-          <p:cNvSpPr/>
-          <p:nvPr/>
-        </p:nvSpPr>
-        <p:spPr>
-          <a:xfrm>
-            <a:off x="5055476" y="620108"/>
-            <a:ext cx="2081048" cy="2102069"/>
-          </a:xfrm>
-          <a:prstGeom prst="rect">
-            <a:avLst/>
-          </a:prstGeom>
-        </p:spPr>
-        <p:style>
-          <a:lnRef idx="2">
-            <a:schemeClr val="accent1">
-              <a:shade val="50000"/>
-            </a:schemeClr>
-          </a:lnRef>
-          <a:fillRef idx="1">
-            <a:schemeClr val="accent1"/>
-          </a:fillRef>
-          <a:effectRef idx="0">
-            <a:schemeClr val="accent1"/>
-          </a:effectRef>
-          <a:fontRef idx="minor">
-            <a:schemeClr val="lt1"/>
-          </a:fontRef>
-        </p:style>
-        <p:txBody>
-          <a:bodyPr rtlCol="0" anchor="ctr"/>
-          <a:lstStyle/>
-          <a:p>
-            <a:r>
-              <a:rPr lang="en-US" dirty="0"/>
-              <a:t>Farm/inventory</a:t>
-            </a:r>
-          </a:p>
-          <a:p>
-            <a:r>
-              <a:rPr lang="en-US" dirty="0"/>
-              <a:t>-user (FK)</a:t>
-            </a:r>
-          </a:p>
-          <a:p>
-            <a:r>
-              <a:rPr lang="en-US" dirty="0"/>
-              <a:t>-crop (FK)</a:t>
-            </a:r>
-          </a:p>
-          <a:p>
-            <a:endParaRPr lang="en-US" dirty="0"/>
-          </a:p>
-        </p:txBody>
-      </p:sp>
       <p:cxnSp>
         <p:nvCxnSpPr>
           <p:cNvPr id="10" name="Straight Connector 9">
@@ -3626,8 +3568,8 @@
             </a:extLst>
           </p:cNvPr>
           <p:cNvCxnSpPr>
+            <a:cxnSpLocks/>
             <a:stCxn id="4" idx="3"/>
-            <a:endCxn id="7" idx="1"/>
           </p:cNvCxnSpPr>
           <p:nvPr/>
         </p:nvCxnSpPr>
@@ -3635,45 +3577,6 @@
           <a:xfrm flipV="1">
             <a:off x="2690648" y="1671143"/>
             <a:ext cx="2364828" cy="2"/>
-          </a:xfrm>
-          <a:prstGeom prst="line">
-            <a:avLst/>
-          </a:prstGeom>
-        </p:spPr>
-        <p:style>
-          <a:lnRef idx="1">
-            <a:schemeClr val="accent1"/>
-          </a:lnRef>
-          <a:fillRef idx="0">
-            <a:schemeClr val="accent1"/>
-          </a:fillRef>
-          <a:effectRef idx="0">
-            <a:schemeClr val="accent1"/>
-          </a:effectRef>
-          <a:fontRef idx="minor">
-            <a:schemeClr val="tx1"/>
-          </a:fontRef>
-        </p:style>
-      </p:cxnSp>
-      <p:cxnSp>
-        <p:nvCxnSpPr>
-          <p:cNvPr id="13" name="Straight Connector 12">
-            <a:extLst>
-              <a:ext uri="{FF2B5EF4-FFF2-40B4-BE49-F238E27FC236}">
-                <a16:creationId xmlns:a16="http://schemas.microsoft.com/office/drawing/2014/main" id="{E390D326-0F71-444F-96CB-D5CA63F5C0BE}"/>
-              </a:ext>
-            </a:extLst>
-          </p:cNvPr>
-          <p:cNvCxnSpPr>
-            <a:stCxn id="7" idx="3"/>
-            <a:endCxn id="5" idx="1"/>
-          </p:cNvCxnSpPr>
-          <p:nvPr/>
-        </p:nvCxnSpPr>
-        <p:spPr>
-          <a:xfrm>
-            <a:off x="7136524" y="1671143"/>
-            <a:ext cx="2364828" cy="1"/>
           </a:xfrm>
           <a:prstGeom prst="line">
             <a:avLst/>
@@ -3818,150 +3721,6 @@
           <a:xfrm flipH="1">
             <a:off x="2690648" y="1671142"/>
             <a:ext cx="367862" cy="325825"/>
-          </a:xfrm>
-          <a:prstGeom prst="line">
-            <a:avLst/>
-          </a:prstGeom>
-        </p:spPr>
-        <p:style>
-          <a:lnRef idx="1">
-            <a:schemeClr val="accent1"/>
-          </a:lnRef>
-          <a:fillRef idx="0">
-            <a:schemeClr val="accent1"/>
-          </a:fillRef>
-          <a:effectRef idx="0">
-            <a:schemeClr val="accent1"/>
-          </a:effectRef>
-          <a:fontRef idx="minor">
-            <a:schemeClr val="tx1"/>
-          </a:fontRef>
-        </p:style>
-      </p:cxnSp>
-      <p:cxnSp>
-        <p:nvCxnSpPr>
-          <p:cNvPr id="23" name="Straight Connector 22">
-            <a:extLst>
-              <a:ext uri="{FF2B5EF4-FFF2-40B4-BE49-F238E27FC236}">
-                <a16:creationId xmlns:a16="http://schemas.microsoft.com/office/drawing/2014/main" id="{4E35FEF1-5785-F844-99CD-EE50C43063C1}"/>
-              </a:ext>
-            </a:extLst>
-          </p:cNvPr>
-          <p:cNvCxnSpPr/>
-          <p:nvPr/>
-        </p:nvCxnSpPr>
-        <p:spPr>
-          <a:xfrm>
-            <a:off x="7136524" y="1271752"/>
-            <a:ext cx="357352" cy="399390"/>
-          </a:xfrm>
-          <a:prstGeom prst="line">
-            <a:avLst/>
-          </a:prstGeom>
-        </p:spPr>
-        <p:style>
-          <a:lnRef idx="1">
-            <a:schemeClr val="accent1"/>
-          </a:lnRef>
-          <a:fillRef idx="0">
-            <a:schemeClr val="accent1"/>
-          </a:fillRef>
-          <a:effectRef idx="0">
-            <a:schemeClr val="accent1"/>
-          </a:effectRef>
-          <a:fontRef idx="minor">
-            <a:schemeClr val="tx1"/>
-          </a:fontRef>
-        </p:style>
-      </p:cxnSp>
-      <p:cxnSp>
-        <p:nvCxnSpPr>
-          <p:cNvPr id="25" name="Straight Connector 24">
-            <a:extLst>
-              <a:ext uri="{FF2B5EF4-FFF2-40B4-BE49-F238E27FC236}">
-                <a16:creationId xmlns:a16="http://schemas.microsoft.com/office/drawing/2014/main" id="{B0E8FC1B-A2B2-0448-8DFB-A38B008D9991}"/>
-              </a:ext>
-            </a:extLst>
-          </p:cNvPr>
-          <p:cNvCxnSpPr/>
-          <p:nvPr/>
-        </p:nvCxnSpPr>
-        <p:spPr>
-          <a:xfrm flipH="1">
-            <a:off x="7136524" y="1671141"/>
-            <a:ext cx="367862" cy="325825"/>
-          </a:xfrm>
-          <a:prstGeom prst="line">
-            <a:avLst/>
-          </a:prstGeom>
-        </p:spPr>
-        <p:style>
-          <a:lnRef idx="1">
-            <a:schemeClr val="accent1"/>
-          </a:lnRef>
-          <a:fillRef idx="0">
-            <a:schemeClr val="accent1"/>
-          </a:fillRef>
-          <a:effectRef idx="0">
-            <a:schemeClr val="accent1"/>
-          </a:effectRef>
-          <a:fontRef idx="minor">
-            <a:schemeClr val="tx1"/>
-          </a:fontRef>
-        </p:style>
-      </p:cxnSp>
-      <p:cxnSp>
-        <p:nvCxnSpPr>
-          <p:cNvPr id="26" name="Straight Connector 25">
-            <a:extLst>
-              <a:ext uri="{FF2B5EF4-FFF2-40B4-BE49-F238E27FC236}">
-                <a16:creationId xmlns:a16="http://schemas.microsoft.com/office/drawing/2014/main" id="{3AD2522D-61F7-8B4E-8435-721354AAA0A6}"/>
-              </a:ext>
-            </a:extLst>
-          </p:cNvPr>
-          <p:cNvCxnSpPr/>
-          <p:nvPr/>
-        </p:nvCxnSpPr>
-        <p:spPr>
-          <a:xfrm flipV="1">
-            <a:off x="9138745" y="1355833"/>
-            <a:ext cx="367862" cy="315308"/>
-          </a:xfrm>
-          <a:prstGeom prst="line">
-            <a:avLst/>
-          </a:prstGeom>
-        </p:spPr>
-        <p:style>
-          <a:lnRef idx="1">
-            <a:schemeClr val="accent1"/>
-          </a:lnRef>
-          <a:fillRef idx="0">
-            <a:schemeClr val="accent1"/>
-          </a:fillRef>
-          <a:effectRef idx="0">
-            <a:schemeClr val="accent1"/>
-          </a:effectRef>
-          <a:fontRef idx="minor">
-            <a:schemeClr val="tx1"/>
-          </a:fontRef>
-        </p:style>
-      </p:cxnSp>
-      <p:cxnSp>
-        <p:nvCxnSpPr>
-          <p:cNvPr id="27" name="Straight Connector 26">
-            <a:extLst>
-              <a:ext uri="{FF2B5EF4-FFF2-40B4-BE49-F238E27FC236}">
-                <a16:creationId xmlns:a16="http://schemas.microsoft.com/office/drawing/2014/main" id="{499CC189-6CCB-AF4C-BFBF-CE8215AC1CF3}"/>
-              </a:ext>
-            </a:extLst>
-          </p:cNvPr>
-          <p:cNvCxnSpPr/>
-          <p:nvPr/>
-        </p:nvCxnSpPr>
-        <p:spPr>
-          <a:xfrm>
-            <a:off x="9138745" y="1671141"/>
-            <a:ext cx="367862" cy="367865"/>
           </a:xfrm>
           <a:prstGeom prst="line">
             <a:avLst/>
